--- a/chapters/background/figures/disaggregated.pptx
+++ b/chapters/background/figures/disaggregated.pptx
@@ -107,6 +107,11 @@
       </a:defRPr>
     </a:lvl9pPr>
   </p:defaultTextStyle>
+  <p:extLst>
+    <p:ext uri="{EFAFB233-063F-42B5-8137-9DF3F51BA10A}">
+      <p15:sldGuideLst xmlns:p15="http://schemas.microsoft.com/office/powerpoint/2012/main"/>
+    </p:ext>
+  </p:extLst>
 </p:presentation>
 </file>
 
@@ -4560,7 +4565,7 @@
             <a:p>
               <a:pPr algn="ctr"/>
               <a:r>
-                <a:rPr lang="en-US" sz="1600" dirty="0">
+                <a:rPr lang="en-US" dirty="0">
                   <a:solidFill>
                     <a:schemeClr val="tx1"/>
                   </a:solidFill>
@@ -4571,7 +4576,7 @@
             <a:p>
               <a:pPr algn="ctr"/>
               <a:r>
-                <a:rPr lang="en-US" sz="1600" dirty="0">
+                <a:rPr lang="en-US" dirty="0">
                   <a:solidFill>
                     <a:schemeClr val="tx1"/>
                   </a:solidFill>
@@ -4899,7 +4904,7 @@
             <a:p>
               <a:pPr algn="ctr"/>
               <a:r>
-                <a:rPr lang="en-US" sz="1600" dirty="0">
+                <a:rPr lang="en-US" dirty="0">
                   <a:solidFill>
                     <a:schemeClr val="tx1"/>
                   </a:solidFill>
@@ -4910,7 +4915,7 @@
             <a:p>
               <a:pPr algn="ctr"/>
               <a:r>
-                <a:rPr lang="en-US" sz="1600" dirty="0">
+                <a:rPr lang="en-US" dirty="0">
                   <a:solidFill>
                     <a:schemeClr val="tx1"/>
                   </a:solidFill>
@@ -5238,7 +5243,7 @@
             <a:p>
               <a:pPr algn="ctr"/>
               <a:r>
-                <a:rPr lang="en-US" sz="1600" dirty="0">
+                <a:rPr lang="en-US" dirty="0">
                   <a:solidFill>
                     <a:schemeClr val="tx1"/>
                   </a:solidFill>
@@ -5249,7 +5254,7 @@
             <a:p>
               <a:pPr algn="ctr"/>
               <a:r>
-                <a:rPr lang="en-US" sz="1600" dirty="0">
+                <a:rPr lang="en-US" dirty="0">
                   <a:solidFill>
                     <a:schemeClr val="tx1"/>
                   </a:solidFill>
@@ -5577,7 +5582,7 @@
             <a:p>
               <a:pPr algn="ctr"/>
               <a:r>
-                <a:rPr lang="en-US" sz="1600" dirty="0">
+                <a:rPr lang="en-US" dirty="0">
                   <a:solidFill>
                     <a:schemeClr val="tx1"/>
                   </a:solidFill>
@@ -5588,7 +5593,7 @@
             <a:p>
               <a:pPr algn="ctr"/>
               <a:r>
-                <a:rPr lang="en-US" sz="1600" dirty="0">
+                <a:rPr lang="en-US" dirty="0">
                   <a:solidFill>
                     <a:schemeClr val="tx1"/>
                   </a:solidFill>
@@ -5916,7 +5921,7 @@
             <a:p>
               <a:pPr algn="ctr"/>
               <a:r>
-                <a:rPr lang="en-US" sz="1600" dirty="0">
+                <a:rPr lang="en-US" dirty="0">
                   <a:solidFill>
                     <a:schemeClr val="tx1"/>
                   </a:solidFill>
@@ -5927,7 +5932,7 @@
             <a:p>
               <a:pPr algn="ctr"/>
               <a:r>
-                <a:rPr lang="en-US" sz="1600" dirty="0">
+                <a:rPr lang="en-US" dirty="0">
                   <a:solidFill>
                     <a:schemeClr val="tx1"/>
                   </a:solidFill>
@@ -6255,7 +6260,7 @@
             <a:p>
               <a:pPr algn="ctr"/>
               <a:r>
-                <a:rPr lang="en-US" sz="1600" dirty="0">
+                <a:rPr lang="en-US" dirty="0">
                   <a:solidFill>
                     <a:schemeClr val="tx1"/>
                   </a:solidFill>
@@ -6266,7 +6271,7 @@
             <a:p>
               <a:pPr algn="ctr"/>
               <a:r>
-                <a:rPr lang="en-US" sz="1600" dirty="0">
+                <a:rPr lang="en-US" dirty="0">
                   <a:solidFill>
                     <a:schemeClr val="tx1"/>
                   </a:solidFill>
@@ -6594,7 +6599,7 @@
             <a:p>
               <a:pPr algn="ctr"/>
               <a:r>
-                <a:rPr lang="en-US" sz="1600" dirty="0">
+                <a:rPr lang="en-US" dirty="0">
                   <a:solidFill>
                     <a:schemeClr val="tx1"/>
                   </a:solidFill>
@@ -6605,7 +6610,7 @@
             <a:p>
               <a:pPr algn="ctr"/>
               <a:r>
-                <a:rPr lang="en-US" sz="1600" dirty="0">
+                <a:rPr lang="en-US" dirty="0">
                   <a:solidFill>
                     <a:schemeClr val="tx1"/>
                   </a:solidFill>
@@ -6933,7 +6938,7 @@
             <a:p>
               <a:pPr algn="ctr"/>
               <a:r>
-                <a:rPr lang="en-US" sz="1600" dirty="0">
+                <a:rPr lang="en-US" dirty="0">
                   <a:solidFill>
                     <a:schemeClr val="tx1"/>
                   </a:solidFill>
@@ -6944,7 +6949,7 @@
             <a:p>
               <a:pPr algn="ctr"/>
               <a:r>
-                <a:rPr lang="en-US" sz="1600" dirty="0">
+                <a:rPr lang="en-US" dirty="0">
                   <a:solidFill>
                     <a:schemeClr val="tx1"/>
                   </a:solidFill>
@@ -7215,8 +7220,8 @@
         </p:nvSpPr>
         <p:spPr>
           <a:xfrm>
-            <a:off x="5263191" y="1735830"/>
-            <a:ext cx="764786" cy="1640317"/>
+            <a:off x="5215957" y="1735830"/>
+            <a:ext cx="884690" cy="1640317"/>
           </a:xfrm>
           <a:prstGeom prst="roundRect">
             <a:avLst>
@@ -7254,7 +7259,7 @@
           <a:p>
             <a:pPr algn="ctr"/>
             <a:r>
-              <a:rPr lang="en-US" sz="1400" dirty="0">
+              <a:rPr lang="en-US" dirty="0">
                 <a:solidFill>
                   <a:schemeClr val="tx1"/>
                 </a:solidFill>
@@ -7274,6 +7279,7 @@
             </a:extLst>
           </p:cNvPr>
           <p:cNvCxnSpPr>
+            <a:cxnSpLocks/>
             <a:stCxn id="28" idx="3"/>
             <a:endCxn id="118" idx="0"/>
           </p:cNvCxnSpPr>
@@ -7282,7 +7288,7 @@
         <p:spPr>
           <a:xfrm>
             <a:off x="3485725" y="549836"/>
-            <a:ext cx="2159859" cy="1185994"/>
+            <a:ext cx="2172577" cy="1185994"/>
           </a:xfrm>
           <a:prstGeom prst="bentConnector2">
             <a:avLst/>
@@ -7328,8 +7334,8 @@
         </p:nvCxnSpPr>
         <p:spPr>
           <a:xfrm rot="5400000" flipH="1" flipV="1">
-            <a:off x="6126836" y="481698"/>
-            <a:ext cx="772881" cy="1735385"/>
+            <a:off x="6133195" y="488057"/>
+            <a:ext cx="772881" cy="1722667"/>
           </a:xfrm>
           <a:prstGeom prst="bentConnector2">
             <a:avLst/>
@@ -7375,8 +7381,8 @@
         </p:nvCxnSpPr>
         <p:spPr>
           <a:xfrm rot="16200000" flipH="1">
-            <a:off x="6207597" y="2814133"/>
-            <a:ext cx="611358" cy="1735385"/>
+            <a:off x="6213956" y="2820492"/>
+            <a:ext cx="611358" cy="1722667"/>
           </a:xfrm>
           <a:prstGeom prst="bentConnector2">
             <a:avLst/>
@@ -7422,8 +7428,8 @@
         </p:nvCxnSpPr>
         <p:spPr>
           <a:xfrm rot="5400000">
-            <a:off x="4156698" y="2705175"/>
-            <a:ext cx="817915" cy="2159859"/>
+            <a:off x="4163057" y="2698816"/>
+            <a:ext cx="817915" cy="2172577"/>
           </a:xfrm>
           <a:prstGeom prst="bentConnector2">
             <a:avLst/>
@@ -7465,8 +7471,8 @@
         </p:nvSpPr>
         <p:spPr>
           <a:xfrm>
-            <a:off x="15904" y="7634"/>
-            <a:ext cx="1492716" cy="338554"/>
+            <a:off x="-3551" y="-24791"/>
+            <a:ext cx="1658596" cy="369332"/>
           </a:xfrm>
           <a:prstGeom prst="rect">
             <a:avLst/>
@@ -7480,7 +7486,7 @@
           <a:lstStyle/>
           <a:p>
             <a:r>
-              <a:rPr lang="en-US" sz="1600" dirty="0"/>
+              <a:rPr lang="en-US" dirty="0"/>
               <a:t>Compute rack 1</a:t>
             </a:r>
           </a:p>
@@ -7500,8 +7506,8 @@
         </p:nvSpPr>
         <p:spPr>
           <a:xfrm>
-            <a:off x="6629356" y="23413"/>
-            <a:ext cx="1443024" cy="338554"/>
+            <a:off x="6609901" y="-9012"/>
+            <a:ext cx="1599733" cy="369332"/>
           </a:xfrm>
           <a:prstGeom prst="rect">
             <a:avLst/>
@@ -7515,7 +7521,7 @@
           <a:lstStyle/>
           <a:p>
             <a:r>
-              <a:rPr lang="en-US" sz="1600" dirty="0"/>
+              <a:rPr lang="en-US" dirty="0"/>
               <a:t>Memory rack 1</a:t>
             </a:r>
           </a:p>
@@ -7535,8 +7541,8 @@
         </p:nvSpPr>
         <p:spPr>
           <a:xfrm>
-            <a:off x="6629356" y="3239177"/>
-            <a:ext cx="1094146" cy="338554"/>
+            <a:off x="6609901" y="3206752"/>
+            <a:ext cx="1207446" cy="369332"/>
           </a:xfrm>
           <a:prstGeom prst="rect">
             <a:avLst/>
@@ -7550,7 +7556,7 @@
           <a:lstStyle/>
           <a:p>
             <a:r>
-              <a:rPr lang="en-US" sz="1600" dirty="0"/>
+              <a:rPr lang="en-US" dirty="0"/>
               <a:t>GPU rack 1</a:t>
             </a:r>
           </a:p>
@@ -7570,8 +7576,8 @@
         </p:nvSpPr>
         <p:spPr>
           <a:xfrm>
-            <a:off x="15904" y="3242871"/>
-            <a:ext cx="1360309" cy="338554"/>
+            <a:off x="-3551" y="3210446"/>
+            <a:ext cx="1506310" cy="369332"/>
           </a:xfrm>
           <a:prstGeom prst="rect">
             <a:avLst/>
@@ -7585,7 +7591,7 @@
           <a:lstStyle/>
           <a:p>
             <a:r>
-              <a:rPr lang="en-US" sz="1600" dirty="0"/>
+              <a:rPr lang="en-US" dirty="0"/>
               <a:t>Storage rack 1</a:t>
             </a:r>
           </a:p>
